--- a/design/iteration03-Logical.pptx
+++ b/design/iteration03-Logical.pptx
@@ -3391,7 +3391,7 @@
         </p:nvSpPr>
         <p:spPr>
           <a:xfrm>
-            <a:off x="6714610" y="1990553"/>
+            <a:off x="6941675" y="1507672"/>
             <a:ext cx="2021593" cy="563525"/>
           </a:xfrm>
           <a:prstGeom prst="diamond">
@@ -3484,9 +3484,9 @@
           <p:nvPr/>
         </p:nvCxnSpPr>
         <p:spPr>
-          <a:xfrm flipH="1">
-            <a:off x="7725407" y="1607304"/>
-            <a:ext cx="1370124" cy="383249"/>
+          <a:xfrm flipH="1" flipV="1">
+            <a:off x="7952472" y="1507672"/>
+            <a:ext cx="1143059" cy="99632"/>
           </a:xfrm>
           <a:prstGeom prst="straightConnector1">
             <a:avLst/>
@@ -4075,8 +4075,8 @@
         </p:nvSpPr>
         <p:spPr>
           <a:xfrm>
-            <a:off x="6893656" y="3299525"/>
-            <a:ext cx="1052622" cy="586914"/>
+            <a:off x="6670550" y="2130390"/>
+            <a:ext cx="1052622" cy="668692"/>
           </a:xfrm>
           <a:prstGeom prst="ellipse">
             <a:avLst/>
@@ -4174,8 +4174,8 @@
         </p:nvCxnSpPr>
         <p:spPr>
           <a:xfrm>
-            <a:off x="7725407" y="2554078"/>
-            <a:ext cx="1240695" cy="717129"/>
+            <a:off x="7952472" y="2071197"/>
+            <a:ext cx="1013630" cy="1200010"/>
           </a:xfrm>
           <a:prstGeom prst="straightConnector1">
             <a:avLst/>
@@ -4259,9 +4259,9 @@
           <p:nvPr/>
         </p:nvCxnSpPr>
         <p:spPr>
-          <a:xfrm flipH="1">
-            <a:off x="7946278" y="3537909"/>
-            <a:ext cx="319482" cy="55073"/>
+          <a:xfrm flipH="1" flipV="1">
+            <a:off x="7723172" y="2464736"/>
+            <a:ext cx="542588" cy="1073173"/>
           </a:xfrm>
           <a:prstGeom prst="straightConnector1">
             <a:avLst/>
@@ -4469,13 +4469,14 @@
           <p:cNvCxnSpPr>
             <a:cxnSpLocks/>
             <a:stCxn id="306" idx="1"/>
+            <a:endCxn id="352" idx="6"/>
           </p:cNvCxnSpPr>
           <p:nvPr/>
         </p:nvCxnSpPr>
         <p:spPr>
           <a:xfrm flipH="1">
-            <a:off x="1806993" y="1123397"/>
-            <a:ext cx="1482412" cy="166291"/>
+            <a:off x="2247810" y="1123397"/>
+            <a:ext cx="1041595" cy="95634"/>
           </a:xfrm>
           <a:prstGeom prst="straightConnector1">
             <a:avLst/>
@@ -6139,7 +6140,7 @@
         </p:nvSpPr>
         <p:spPr>
           <a:xfrm>
-            <a:off x="5150191" y="3706989"/>
+            <a:off x="5146690" y="3686454"/>
             <a:ext cx="2021593" cy="563525"/>
           </a:xfrm>
           <a:prstGeom prst="diamond">
@@ -6191,7 +6192,7 @@
         <p:spPr>
           <a:xfrm>
             <a:off x="3888110" y="1288740"/>
-            <a:ext cx="2272878" cy="2418249"/>
+            <a:ext cx="2269377" cy="2397714"/>
           </a:xfrm>
           <a:prstGeom prst="straightConnector1">
             <a:avLst/>
@@ -6233,8 +6234,8 @@
         </p:nvCxnSpPr>
         <p:spPr>
           <a:xfrm>
-            <a:off x="6160988" y="4270514"/>
-            <a:ext cx="2271971" cy="1067403"/>
+            <a:off x="6157487" y="4249979"/>
+            <a:ext cx="2275472" cy="1087938"/>
           </a:xfrm>
           <a:prstGeom prst="straightConnector1">
             <a:avLst/>
@@ -6802,6 +6803,276 @@
           </a:p>
         </p:txBody>
       </p:sp>
+      <p:sp>
+        <p:nvSpPr>
+          <p:cNvPr id="78" name="Oval 77">
+            <a:extLst>
+              <a:ext uri="{FF2B5EF4-FFF2-40B4-BE49-F238E27FC236}">
+                <a16:creationId xmlns:a16="http://schemas.microsoft.com/office/drawing/2014/main" id="{C07EAE40-0EF3-46FD-89C8-0D65A24B4524}"/>
+              </a:ext>
+            </a:extLst>
+          </p:cNvPr>
+          <p:cNvSpPr/>
+          <p:nvPr/>
+        </p:nvSpPr>
+        <p:spPr>
+          <a:xfrm>
+            <a:off x="42641" y="294612"/>
+            <a:ext cx="1300210" cy="607204"/>
+          </a:xfrm>
+          <a:prstGeom prst="ellipse">
+            <a:avLst/>
+          </a:prstGeom>
+        </p:spPr>
+        <p:style>
+          <a:lnRef idx="1">
+            <a:schemeClr val="accent2"/>
+          </a:lnRef>
+          <a:fillRef idx="2">
+            <a:schemeClr val="accent2"/>
+          </a:fillRef>
+          <a:effectRef idx="1">
+            <a:schemeClr val="accent2"/>
+          </a:effectRef>
+          <a:fontRef idx="minor">
+            <a:schemeClr val="dk1"/>
+          </a:fontRef>
+        </p:style>
+        <p:txBody>
+          <a:bodyPr rtlCol="0" anchor="ctr"/>
+          <a:lstStyle/>
+          <a:p>
+            <a:pPr algn="ctr"/>
+            <a:r>
+              <a:rPr lang="en-US" dirty="0"/>
+              <a:t>user access</a:t>
+            </a:r>
+          </a:p>
+        </p:txBody>
+      </p:sp>
+      <p:cxnSp>
+        <p:nvCxnSpPr>
+          <p:cNvPr id="81" name="Straight Arrow Connector 80">
+            <a:extLst>
+              <a:ext uri="{FF2B5EF4-FFF2-40B4-BE49-F238E27FC236}">
+                <a16:creationId xmlns:a16="http://schemas.microsoft.com/office/drawing/2014/main" id="{B69AF3EA-9471-4130-AF0E-0A628497554F}"/>
+              </a:ext>
+            </a:extLst>
+          </p:cNvPr>
+          <p:cNvCxnSpPr>
+            <a:cxnSpLocks/>
+            <a:stCxn id="306" idx="1"/>
+            <a:endCxn id="78" idx="6"/>
+          </p:cNvCxnSpPr>
+          <p:nvPr/>
+        </p:nvCxnSpPr>
+        <p:spPr>
+          <a:xfrm flipH="1" flipV="1">
+            <a:off x="1342851" y="598214"/>
+            <a:ext cx="1946554" cy="525183"/>
+          </a:xfrm>
+          <a:prstGeom prst="straightConnector1">
+            <a:avLst/>
+          </a:prstGeom>
+          <a:ln>
+            <a:tailEnd type="triangle"/>
+          </a:ln>
+        </p:spPr>
+        <p:style>
+          <a:lnRef idx="1">
+            <a:schemeClr val="accent1"/>
+          </a:lnRef>
+          <a:fillRef idx="0">
+            <a:schemeClr val="accent1"/>
+          </a:fillRef>
+          <a:effectRef idx="0">
+            <a:schemeClr val="accent1"/>
+          </a:effectRef>
+          <a:fontRef idx="minor">
+            <a:schemeClr val="tx1"/>
+          </a:fontRef>
+        </p:style>
+      </p:cxnSp>
+      <p:sp>
+        <p:nvSpPr>
+          <p:cNvPr id="86" name="Oval 85">
+            <a:extLst>
+              <a:ext uri="{FF2B5EF4-FFF2-40B4-BE49-F238E27FC236}">
+                <a16:creationId xmlns:a16="http://schemas.microsoft.com/office/drawing/2014/main" id="{AD802631-3762-4A29-B869-A93DF8F6458C}"/>
+              </a:ext>
+            </a:extLst>
+          </p:cNvPr>
+          <p:cNvSpPr/>
+          <p:nvPr/>
+        </p:nvSpPr>
+        <p:spPr>
+          <a:xfrm>
+            <a:off x="6060526" y="3036850"/>
+            <a:ext cx="1762298" cy="668692"/>
+          </a:xfrm>
+          <a:prstGeom prst="ellipse">
+            <a:avLst/>
+          </a:prstGeom>
+        </p:spPr>
+        <p:style>
+          <a:lnRef idx="1">
+            <a:schemeClr val="accent2"/>
+          </a:lnRef>
+          <a:fillRef idx="2">
+            <a:schemeClr val="accent2"/>
+          </a:fillRef>
+          <a:effectRef idx="1">
+            <a:schemeClr val="accent2"/>
+          </a:effectRef>
+          <a:fontRef idx="minor">
+            <a:schemeClr val="dk1"/>
+          </a:fontRef>
+        </p:style>
+        <p:txBody>
+          <a:bodyPr rtlCol="0" anchor="ctr"/>
+          <a:lstStyle/>
+          <a:p>
+            <a:pPr algn="ctr"/>
+            <a:r>
+              <a:rPr lang="en-US" dirty="0"/>
+              <a:t>Announcements</a:t>
+            </a:r>
+          </a:p>
+        </p:txBody>
+      </p:sp>
+      <p:sp>
+        <p:nvSpPr>
+          <p:cNvPr id="87" name="Oval 86">
+            <a:extLst>
+              <a:ext uri="{FF2B5EF4-FFF2-40B4-BE49-F238E27FC236}">
+                <a16:creationId xmlns:a16="http://schemas.microsoft.com/office/drawing/2014/main" id="{9C37DD69-2CA6-4F28-9410-FA7423E2626E}"/>
+              </a:ext>
+            </a:extLst>
+          </p:cNvPr>
+          <p:cNvSpPr/>
+          <p:nvPr/>
+        </p:nvSpPr>
+        <p:spPr>
+          <a:xfrm>
+            <a:off x="5353765" y="2349660"/>
+            <a:ext cx="1228937" cy="668692"/>
+          </a:xfrm>
+          <a:prstGeom prst="ellipse">
+            <a:avLst/>
+          </a:prstGeom>
+        </p:spPr>
+        <p:style>
+          <a:lnRef idx="1">
+            <a:schemeClr val="accent2"/>
+          </a:lnRef>
+          <a:fillRef idx="2">
+            <a:schemeClr val="accent2"/>
+          </a:fillRef>
+          <a:effectRef idx="1">
+            <a:schemeClr val="accent2"/>
+          </a:effectRef>
+          <a:fontRef idx="minor">
+            <a:schemeClr val="dk1"/>
+          </a:fontRef>
+        </p:style>
+        <p:txBody>
+          <a:bodyPr rtlCol="0" anchor="ctr"/>
+          <a:lstStyle/>
+          <a:p>
+            <a:pPr algn="ctr"/>
+            <a:r>
+              <a:rPr lang="en-US" dirty="0"/>
+              <a:t>League rules</a:t>
+            </a:r>
+          </a:p>
+        </p:txBody>
+      </p:sp>
+      <p:cxnSp>
+        <p:nvCxnSpPr>
+          <p:cNvPr id="94" name="Straight Arrow Connector 93">
+            <a:extLst>
+              <a:ext uri="{FF2B5EF4-FFF2-40B4-BE49-F238E27FC236}">
+                <a16:creationId xmlns:a16="http://schemas.microsoft.com/office/drawing/2014/main" id="{3AA87E59-FE93-4A1B-BA98-2046B9B04D8D}"/>
+              </a:ext>
+            </a:extLst>
+          </p:cNvPr>
+          <p:cNvCxnSpPr>
+            <a:cxnSpLocks/>
+            <a:stCxn id="308" idx="1"/>
+            <a:endCxn id="86" idx="5"/>
+          </p:cNvCxnSpPr>
+          <p:nvPr/>
+        </p:nvCxnSpPr>
+        <p:spPr>
+          <a:xfrm flipH="1">
+            <a:off x="7564741" y="3537909"/>
+            <a:ext cx="701019" cy="69705"/>
+          </a:xfrm>
+          <a:prstGeom prst="straightConnector1">
+            <a:avLst/>
+          </a:prstGeom>
+          <a:ln>
+            <a:tailEnd type="triangle"/>
+          </a:ln>
+        </p:spPr>
+        <p:style>
+          <a:lnRef idx="1">
+            <a:schemeClr val="accent1"/>
+          </a:lnRef>
+          <a:fillRef idx="0">
+            <a:schemeClr val="accent1"/>
+          </a:fillRef>
+          <a:effectRef idx="0">
+            <a:schemeClr val="accent1"/>
+          </a:effectRef>
+          <a:fontRef idx="minor">
+            <a:schemeClr val="tx1"/>
+          </a:fontRef>
+        </p:style>
+      </p:cxnSp>
+      <p:cxnSp>
+        <p:nvCxnSpPr>
+          <p:cNvPr id="95" name="Straight Arrow Connector 94">
+            <a:extLst>
+              <a:ext uri="{FF2B5EF4-FFF2-40B4-BE49-F238E27FC236}">
+                <a16:creationId xmlns:a16="http://schemas.microsoft.com/office/drawing/2014/main" id="{FBCDD6EB-02DB-4752-A181-EAE8945FE1B1}"/>
+              </a:ext>
+            </a:extLst>
+          </p:cNvPr>
+          <p:cNvCxnSpPr>
+            <a:cxnSpLocks/>
+            <a:stCxn id="308" idx="1"/>
+            <a:endCxn id="87" idx="6"/>
+          </p:cNvCxnSpPr>
+          <p:nvPr/>
+        </p:nvCxnSpPr>
+        <p:spPr>
+          <a:xfrm flipH="1" flipV="1">
+            <a:off x="6582702" y="2684006"/>
+            <a:ext cx="1683058" cy="853903"/>
+          </a:xfrm>
+          <a:prstGeom prst="straightConnector1">
+            <a:avLst/>
+          </a:prstGeom>
+          <a:ln>
+            <a:tailEnd type="triangle"/>
+          </a:ln>
+        </p:spPr>
+        <p:style>
+          <a:lnRef idx="1">
+            <a:schemeClr val="accent1"/>
+          </a:lnRef>
+          <a:fillRef idx="0">
+            <a:schemeClr val="accent1"/>
+          </a:fillRef>
+          <a:effectRef idx="0">
+            <a:schemeClr val="accent1"/>
+          </a:effectRef>
+          <a:fontRef idx="minor">
+            <a:schemeClr val="tx1"/>
+          </a:fontRef>
+        </p:style>
+      </p:cxnSp>
     </p:spTree>
     <p:extLst>
       <p:ext uri="{BB962C8B-B14F-4D97-AF65-F5344CB8AC3E}">
